--- a/非受控文档/3_杨以恒/深蓝低调稳重商务PPT模板.pptx
+++ b/非受控文档/3_杨以恒/深蓝低调稳重商务PPT模板.pptx
@@ -4626,7 +4626,7 @@
       </p:sp>
       <p:pic>
         <p:nvPicPr>
-          <p:cNvPr id="4" name="图片 3"/>
+          <p:cNvPr id="5" name="图片 4"/>
           <p:cNvPicPr>
             <a:picLocks noChangeAspect="1"/>
           </p:cNvPicPr>
@@ -4634,15 +4634,15 @@
         </p:nvPicPr>
         <p:blipFill>
           <a:blip r:embed="rId1"/>
-          <a:srcRect l="26060" t="25632" r="39944" b="52986"/>
+          <a:srcRect l="28185" t="56917" r="33801" b="22000"/>
           <a:stretch>
             <a:fillRect/>
           </a:stretch>
         </p:blipFill>
         <p:spPr>
           <a:xfrm>
-            <a:off x="5810250" y="2112010"/>
-            <a:ext cx="5674360" cy="2379345"/>
+            <a:off x="6552565" y="1517650"/>
+            <a:ext cx="5539740" cy="2850515"/>
           </a:xfrm>
           <a:prstGeom prst="rect">
             <a:avLst/>
@@ -4912,7 +4912,7 @@
       </p:sp>
       <p:pic>
         <p:nvPicPr>
-          <p:cNvPr id="4" name="图片 3"/>
+          <p:cNvPr id="5" name="图片 4"/>
           <p:cNvPicPr>
             <a:picLocks noChangeAspect="1"/>
           </p:cNvPicPr>
@@ -4920,15 +4920,15 @@
         </p:nvPicPr>
         <p:blipFill>
           <a:blip r:embed="rId1"/>
-          <a:srcRect l="26681" t="25535" r="40671" b="54569"/>
+          <a:srcRect l="30685" t="37215" r="40870" b="44472"/>
           <a:stretch>
             <a:fillRect/>
           </a:stretch>
         </p:blipFill>
         <p:spPr>
           <a:xfrm>
-            <a:off x="-1012825" y="2150745"/>
-            <a:ext cx="6906895" cy="2806065"/>
+            <a:off x="97790" y="2061210"/>
+            <a:ext cx="5797550" cy="3112135"/>
           </a:xfrm>
           <a:prstGeom prst="rect">
             <a:avLst/>
@@ -5202,7 +5202,7 @@
       </p:sp>
       <p:pic>
         <p:nvPicPr>
-          <p:cNvPr id="4" name="图片 3"/>
+          <p:cNvPr id="5" name="图片 4"/>
           <p:cNvPicPr>
             <a:picLocks noChangeAspect="1"/>
           </p:cNvPicPr>
@@ -5210,15 +5210,15 @@
         </p:nvPicPr>
         <p:blipFill>
           <a:blip r:embed="rId1"/>
-          <a:srcRect l="25653" t="20714" r="41289" b="51508"/>
+          <a:srcRect l="28171" t="9208" r="45560" b="68028"/>
           <a:stretch>
             <a:fillRect/>
           </a:stretch>
         </p:blipFill>
         <p:spPr>
           <a:xfrm>
-            <a:off x="5537200" y="1546860"/>
-            <a:ext cx="6215380" cy="3565525"/>
+            <a:off x="6161405" y="1546860"/>
+            <a:ext cx="5748020" cy="3728085"/>
           </a:xfrm>
           <a:prstGeom prst="rect">
             <a:avLst/>
